--- a/img.pptx
+++ b/img.pptx
@@ -7,6 +7,7 @@
   <p:sldIdLst>
     <p:sldId id="256" r:id="rId2"/>
     <p:sldId id="257" r:id="rId3"/>
+    <p:sldId id="258" r:id="rId4"/>
   </p:sldIdLst>
   <p:sldSz cx="9144000" cy="6858000" type="screen4x3"/>
   <p:notesSz cx="6858000" cy="9144000"/>
@@ -303,7 +304,7 @@
           <a:p>
             <a:fld id="{0897BCBE-A2DD-2248-8676-657FEEB74689}" type="datetimeFigureOut">
               <a:rPr lang="en-US" smtClean="0"/>
-              <a:t>6/30/20</a:t>
+              <a:t>7/8/20</a:t>
             </a:fld>
             <a:endParaRPr lang="en-US"/>
           </a:p>
@@ -471,7 +472,7 @@
           <a:p>
             <a:fld id="{0897BCBE-A2DD-2248-8676-657FEEB74689}" type="datetimeFigureOut">
               <a:rPr lang="en-US" smtClean="0"/>
-              <a:t>6/30/20</a:t>
+              <a:t>7/8/20</a:t>
             </a:fld>
             <a:endParaRPr lang="en-US"/>
           </a:p>
@@ -649,7 +650,7 @@
           <a:p>
             <a:fld id="{0897BCBE-A2DD-2248-8676-657FEEB74689}" type="datetimeFigureOut">
               <a:rPr lang="en-US" smtClean="0"/>
-              <a:t>6/30/20</a:t>
+              <a:t>7/8/20</a:t>
             </a:fld>
             <a:endParaRPr lang="en-US"/>
           </a:p>
@@ -817,7 +818,7 @@
           <a:p>
             <a:fld id="{0897BCBE-A2DD-2248-8676-657FEEB74689}" type="datetimeFigureOut">
               <a:rPr lang="en-US" smtClean="0"/>
-              <a:t>6/30/20</a:t>
+              <a:t>7/8/20</a:t>
             </a:fld>
             <a:endParaRPr lang="en-US"/>
           </a:p>
@@ -1062,7 +1063,7 @@
           <a:p>
             <a:fld id="{0897BCBE-A2DD-2248-8676-657FEEB74689}" type="datetimeFigureOut">
               <a:rPr lang="en-US" smtClean="0"/>
-              <a:t>6/30/20</a:t>
+              <a:t>7/8/20</a:t>
             </a:fld>
             <a:endParaRPr lang="en-US"/>
           </a:p>
@@ -1347,7 +1348,7 @@
           <a:p>
             <a:fld id="{0897BCBE-A2DD-2248-8676-657FEEB74689}" type="datetimeFigureOut">
               <a:rPr lang="en-US" smtClean="0"/>
-              <a:t>6/30/20</a:t>
+              <a:t>7/8/20</a:t>
             </a:fld>
             <a:endParaRPr lang="en-US"/>
           </a:p>
@@ -1766,7 +1767,7 @@
           <a:p>
             <a:fld id="{0897BCBE-A2DD-2248-8676-657FEEB74689}" type="datetimeFigureOut">
               <a:rPr lang="en-US" smtClean="0"/>
-              <a:t>6/30/20</a:t>
+              <a:t>7/8/20</a:t>
             </a:fld>
             <a:endParaRPr lang="en-US"/>
           </a:p>
@@ -1883,7 +1884,7 @@
           <a:p>
             <a:fld id="{0897BCBE-A2DD-2248-8676-657FEEB74689}" type="datetimeFigureOut">
               <a:rPr lang="en-US" smtClean="0"/>
-              <a:t>6/30/20</a:t>
+              <a:t>7/8/20</a:t>
             </a:fld>
             <a:endParaRPr lang="en-US"/>
           </a:p>
@@ -1978,7 +1979,7 @@
           <a:p>
             <a:fld id="{0897BCBE-A2DD-2248-8676-657FEEB74689}" type="datetimeFigureOut">
               <a:rPr lang="en-US" smtClean="0"/>
-              <a:t>6/30/20</a:t>
+              <a:t>7/8/20</a:t>
             </a:fld>
             <a:endParaRPr lang="en-US"/>
           </a:p>
@@ -2253,7 +2254,7 @@
           <a:p>
             <a:fld id="{0897BCBE-A2DD-2248-8676-657FEEB74689}" type="datetimeFigureOut">
               <a:rPr lang="en-US" smtClean="0"/>
-              <a:t>6/30/20</a:t>
+              <a:t>7/8/20</a:t>
             </a:fld>
             <a:endParaRPr lang="en-US"/>
           </a:p>
@@ -2505,7 +2506,7 @@
           <a:p>
             <a:fld id="{0897BCBE-A2DD-2248-8676-657FEEB74689}" type="datetimeFigureOut">
               <a:rPr lang="en-US" smtClean="0"/>
-              <a:t>6/30/20</a:t>
+              <a:t>7/8/20</a:t>
             </a:fld>
             <a:endParaRPr lang="en-US"/>
           </a:p>
@@ -2716,7 +2717,7 @@
           <a:p>
             <a:fld id="{0897BCBE-A2DD-2248-8676-657FEEB74689}" type="datetimeFigureOut">
               <a:rPr lang="en-US" smtClean="0"/>
-              <a:t>6/30/20</a:t>
+              <a:t>7/8/20</a:t>
             </a:fld>
             <a:endParaRPr lang="en-US"/>
           </a:p>
@@ -4097,6 +4098,970 @@
     <p:extLst>
       <p:ext uri="{BB962C8B-B14F-4D97-AF65-F5344CB8AC3E}">
         <p14:creationId xmlns:p14="http://schemas.microsoft.com/office/powerpoint/2010/main" val="1996765260"/>
+      </p:ext>
+    </p:extLst>
+  </p:cSld>
+  <p:clrMapOvr>
+    <a:masterClrMapping/>
+  </p:clrMapOvr>
+</p:sld>
+</file>
+
+<file path=ppt/slides/slide3.xml><?xml version="1.0" encoding="utf-8"?>
+<p:sld xmlns:a="http://schemas.openxmlformats.org/drawingml/2006/main" xmlns:r="http://schemas.openxmlformats.org/officeDocument/2006/relationships" xmlns:p="http://schemas.openxmlformats.org/presentationml/2006/main">
+  <p:cSld>
+    <p:spTree>
+      <p:nvGrpSpPr>
+        <p:cNvPr id="1" name=""/>
+        <p:cNvGrpSpPr/>
+        <p:nvPr/>
+      </p:nvGrpSpPr>
+      <p:grpSpPr>
+        <a:xfrm>
+          <a:off x="0" y="0"/>
+          <a:ext cx="0" cy="0"/>
+          <a:chOff x="0" y="0"/>
+          <a:chExt cx="0" cy="0"/>
+        </a:xfrm>
+      </p:grpSpPr>
+      <p:pic>
+        <p:nvPicPr>
+          <p:cNvPr id="3" name="图片 2">
+            <a:extLst>
+              <a:ext uri="{FF2B5EF4-FFF2-40B4-BE49-F238E27FC236}">
+                <a16:creationId xmlns:a16="http://schemas.microsoft.com/office/drawing/2014/main" id="{A9BCE1CA-AD96-DE45-8EDB-7FA1FDA3D81C}"/>
+              </a:ext>
+            </a:extLst>
+          </p:cNvPr>
+          <p:cNvPicPr>
+            <a:picLocks noChangeAspect="1"/>
+          </p:cNvPicPr>
+          <p:nvPr/>
+        </p:nvPicPr>
+        <p:blipFill>
+          <a:blip r:embed="rId2"/>
+          <a:srcRect/>
+          <a:stretch/>
+        </p:blipFill>
+        <p:spPr>
+          <a:xfrm>
+            <a:off x="3815137" y="617306"/>
+            <a:ext cx="1571090" cy="1571090"/>
+          </a:xfrm>
+          <a:prstGeom prst="rect">
+            <a:avLst/>
+          </a:prstGeom>
+        </p:spPr>
+      </p:pic>
+      <p:pic>
+        <p:nvPicPr>
+          <p:cNvPr id="6" name="图片 5">
+            <a:extLst>
+              <a:ext uri="{FF2B5EF4-FFF2-40B4-BE49-F238E27FC236}">
+                <a16:creationId xmlns:a16="http://schemas.microsoft.com/office/drawing/2014/main" id="{ABB0C426-E029-4849-998C-0B8C7FCB1392}"/>
+              </a:ext>
+            </a:extLst>
+          </p:cNvPr>
+          <p:cNvPicPr>
+            <a:picLocks noChangeAspect="1"/>
+          </p:cNvPicPr>
+          <p:nvPr/>
+        </p:nvPicPr>
+        <p:blipFill>
+          <a:blip r:embed="rId3"/>
+          <a:srcRect/>
+          <a:stretch/>
+        </p:blipFill>
+        <p:spPr>
+          <a:xfrm>
+            <a:off x="5572018" y="617306"/>
+            <a:ext cx="1571090" cy="1571090"/>
+          </a:xfrm>
+          <a:prstGeom prst="rect">
+            <a:avLst/>
+          </a:prstGeom>
+        </p:spPr>
+      </p:pic>
+      <p:pic>
+        <p:nvPicPr>
+          <p:cNvPr id="8" name="图片 7">
+            <a:extLst>
+              <a:ext uri="{FF2B5EF4-FFF2-40B4-BE49-F238E27FC236}">
+                <a16:creationId xmlns:a16="http://schemas.microsoft.com/office/drawing/2014/main" id="{FCD52753-E7BF-C84E-A745-6D2880E7F30D}"/>
+              </a:ext>
+            </a:extLst>
+          </p:cNvPr>
+          <p:cNvPicPr>
+            <a:picLocks noChangeAspect="1"/>
+          </p:cNvPicPr>
+          <p:nvPr/>
+        </p:nvPicPr>
+        <p:blipFill>
+          <a:blip r:embed="rId4"/>
+          <a:srcRect/>
+          <a:stretch/>
+        </p:blipFill>
+        <p:spPr>
+          <a:xfrm>
+            <a:off x="7328899" y="617306"/>
+            <a:ext cx="1571090" cy="1571090"/>
+          </a:xfrm>
+          <a:prstGeom prst="rect">
+            <a:avLst/>
+          </a:prstGeom>
+        </p:spPr>
+      </p:pic>
+      <p:sp>
+        <p:nvSpPr>
+          <p:cNvPr id="10" name="文本框 9">
+            <a:extLst>
+              <a:ext uri="{FF2B5EF4-FFF2-40B4-BE49-F238E27FC236}">
+                <a16:creationId xmlns:a16="http://schemas.microsoft.com/office/drawing/2014/main" id="{42FED4BE-2233-AC48-A22D-9021CEF5560B}"/>
+              </a:ext>
+            </a:extLst>
+          </p:cNvPr>
+          <p:cNvSpPr txBox="1"/>
+          <p:nvPr/>
+        </p:nvSpPr>
+        <p:spPr>
+          <a:xfrm>
+            <a:off x="0" y="0"/>
+            <a:ext cx="2457724" cy="369332"/>
+          </a:xfrm>
+          <a:prstGeom prst="rect">
+            <a:avLst/>
+          </a:prstGeom>
+          <a:noFill/>
+        </p:spPr>
+        <p:txBody>
+          <a:bodyPr wrap="none" rtlCol="0">
+            <a:spAutoFit/>
+          </a:bodyPr>
+          <a:lstStyle/>
+          <a:p>
+            <a:r>
+              <a:rPr kumimoji="1" lang="en-US" altLang="zh-CN" dirty="0"/>
+              <a:t>Stochastic,</a:t>
+            </a:r>
+            <a:r>
+              <a:rPr kumimoji="1" lang="zh-CN" altLang="en-US" dirty="0"/>
+              <a:t> </a:t>
+            </a:r>
+            <a:r>
+              <a:rPr kumimoji="1" lang="en-US" altLang="zh-CN" dirty="0"/>
+              <a:t>lambda</a:t>
+            </a:r>
+            <a:r>
+              <a:rPr kumimoji="1" lang="zh-CN" altLang="en-US" dirty="0"/>
+              <a:t> </a:t>
+            </a:r>
+            <a:r>
+              <a:rPr kumimoji="1" lang="en-US" altLang="zh-CN" dirty="0"/>
+              <a:t>=</a:t>
+            </a:r>
+            <a:r>
+              <a:rPr kumimoji="1" lang="zh-CN" altLang="en-US" dirty="0"/>
+              <a:t> </a:t>
+            </a:r>
+            <a:r>
+              <a:rPr kumimoji="1" lang="en-US" altLang="zh-CN" dirty="0"/>
+              <a:t>0.9</a:t>
+            </a:r>
+            <a:endParaRPr kumimoji="1" lang="zh-CN" altLang="en-US" dirty="0"/>
+          </a:p>
+        </p:txBody>
+      </p:sp>
+      <p:pic>
+        <p:nvPicPr>
+          <p:cNvPr id="13" name="图片 12">
+            <a:extLst>
+              <a:ext uri="{FF2B5EF4-FFF2-40B4-BE49-F238E27FC236}">
+                <a16:creationId xmlns:a16="http://schemas.microsoft.com/office/drawing/2014/main" id="{DC879000-3F4B-7E47-A469-EE8DDB34C0AF}"/>
+              </a:ext>
+            </a:extLst>
+          </p:cNvPr>
+          <p:cNvPicPr>
+            <a:picLocks noChangeAspect="1"/>
+          </p:cNvPicPr>
+          <p:nvPr/>
+        </p:nvPicPr>
+        <p:blipFill>
+          <a:blip r:embed="rId5"/>
+          <a:stretch>
+            <a:fillRect/>
+          </a:stretch>
+        </p:blipFill>
+        <p:spPr>
+          <a:xfrm>
+            <a:off x="0" y="2436370"/>
+            <a:ext cx="1571090" cy="1571090"/>
+          </a:xfrm>
+          <a:prstGeom prst="rect">
+            <a:avLst/>
+          </a:prstGeom>
+        </p:spPr>
+      </p:pic>
+      <p:pic>
+        <p:nvPicPr>
+          <p:cNvPr id="15" name="图片 14">
+            <a:extLst>
+              <a:ext uri="{FF2B5EF4-FFF2-40B4-BE49-F238E27FC236}">
+                <a16:creationId xmlns:a16="http://schemas.microsoft.com/office/drawing/2014/main" id="{D5D29351-2281-5D47-9864-E098439F63C2}"/>
+              </a:ext>
+            </a:extLst>
+          </p:cNvPr>
+          <p:cNvPicPr>
+            <a:picLocks noChangeAspect="1"/>
+          </p:cNvPicPr>
+          <p:nvPr/>
+        </p:nvPicPr>
+        <p:blipFill>
+          <a:blip r:embed="rId6"/>
+          <a:stretch>
+            <a:fillRect/>
+          </a:stretch>
+        </p:blipFill>
+        <p:spPr>
+          <a:xfrm>
+            <a:off x="1756881" y="2436370"/>
+            <a:ext cx="1571090" cy="1571090"/>
+          </a:xfrm>
+          <a:prstGeom prst="rect">
+            <a:avLst/>
+          </a:prstGeom>
+        </p:spPr>
+      </p:pic>
+      <p:pic>
+        <p:nvPicPr>
+          <p:cNvPr id="20" name="图片 19">
+            <a:extLst>
+              <a:ext uri="{FF2B5EF4-FFF2-40B4-BE49-F238E27FC236}">
+                <a16:creationId xmlns:a16="http://schemas.microsoft.com/office/drawing/2014/main" id="{E0B6D596-7FC3-6449-AD6B-5B67F6FA4951}"/>
+              </a:ext>
+            </a:extLst>
+          </p:cNvPr>
+          <p:cNvPicPr>
+            <a:picLocks noChangeAspect="1"/>
+          </p:cNvPicPr>
+          <p:nvPr/>
+        </p:nvPicPr>
+        <p:blipFill>
+          <a:blip r:embed="rId7"/>
+          <a:srcRect/>
+          <a:stretch/>
+        </p:blipFill>
+        <p:spPr>
+          <a:xfrm>
+            <a:off x="3815137" y="2436370"/>
+            <a:ext cx="1571090" cy="1571090"/>
+          </a:xfrm>
+          <a:prstGeom prst="rect">
+            <a:avLst/>
+          </a:prstGeom>
+        </p:spPr>
+      </p:pic>
+      <p:pic>
+        <p:nvPicPr>
+          <p:cNvPr id="21" name="图片 20">
+            <a:extLst>
+              <a:ext uri="{FF2B5EF4-FFF2-40B4-BE49-F238E27FC236}">
+                <a16:creationId xmlns:a16="http://schemas.microsoft.com/office/drawing/2014/main" id="{A8A52D75-AF56-0A49-A343-7A5263D551C4}"/>
+              </a:ext>
+            </a:extLst>
+          </p:cNvPr>
+          <p:cNvPicPr>
+            <a:picLocks noChangeAspect="1"/>
+          </p:cNvPicPr>
+          <p:nvPr/>
+        </p:nvPicPr>
+        <p:blipFill>
+          <a:blip r:embed="rId8"/>
+          <a:srcRect/>
+          <a:stretch/>
+        </p:blipFill>
+        <p:spPr>
+          <a:xfrm>
+            <a:off x="5572018" y="2436370"/>
+            <a:ext cx="1571090" cy="1571090"/>
+          </a:xfrm>
+          <a:prstGeom prst="rect">
+            <a:avLst/>
+          </a:prstGeom>
+        </p:spPr>
+      </p:pic>
+      <p:pic>
+        <p:nvPicPr>
+          <p:cNvPr id="22" name="图片 21">
+            <a:extLst>
+              <a:ext uri="{FF2B5EF4-FFF2-40B4-BE49-F238E27FC236}">
+                <a16:creationId xmlns:a16="http://schemas.microsoft.com/office/drawing/2014/main" id="{B7A9A66A-B92B-5948-8A76-1764F5C69D49}"/>
+              </a:ext>
+            </a:extLst>
+          </p:cNvPr>
+          <p:cNvPicPr>
+            <a:picLocks noChangeAspect="1"/>
+          </p:cNvPicPr>
+          <p:nvPr/>
+        </p:nvPicPr>
+        <p:blipFill>
+          <a:blip r:embed="rId9"/>
+          <a:srcRect/>
+          <a:stretch/>
+        </p:blipFill>
+        <p:spPr>
+          <a:xfrm>
+            <a:off x="7328899" y="2436370"/>
+            <a:ext cx="1571090" cy="1571090"/>
+          </a:xfrm>
+          <a:prstGeom prst="rect">
+            <a:avLst/>
+          </a:prstGeom>
+        </p:spPr>
+      </p:pic>
+      <p:sp>
+        <p:nvSpPr>
+          <p:cNvPr id="23" name="文本框 22">
+            <a:extLst>
+              <a:ext uri="{FF2B5EF4-FFF2-40B4-BE49-F238E27FC236}">
+                <a16:creationId xmlns:a16="http://schemas.microsoft.com/office/drawing/2014/main" id="{7F5D884E-5C6D-2746-9F2F-912EE078EAB1}"/>
+              </a:ext>
+            </a:extLst>
+          </p:cNvPr>
+          <p:cNvSpPr txBox="1"/>
+          <p:nvPr/>
+        </p:nvSpPr>
+        <p:spPr>
+          <a:xfrm>
+            <a:off x="72850" y="4089653"/>
+            <a:ext cx="1425390" cy="338554"/>
+          </a:xfrm>
+          <a:prstGeom prst="rect">
+            <a:avLst/>
+          </a:prstGeom>
+          <a:noFill/>
+        </p:spPr>
+        <p:txBody>
+          <a:bodyPr wrap="none" rtlCol="0">
+            <a:spAutoFit/>
+          </a:bodyPr>
+          <a:lstStyle/>
+          <a:p>
+            <a:r>
+              <a:rPr kumimoji="1" lang="en-US" altLang="zh-CN" sz="1600" dirty="0">
+                <a:latin typeface="Times New Roman" panose="02020603050405020304" pitchFamily="18" charset="0"/>
+                <a:ea typeface="+mj-ea"/>
+                <a:cs typeface="Times New Roman" panose="02020603050405020304" pitchFamily="18" charset="0"/>
+              </a:rPr>
+              <a:t>Original</a:t>
+            </a:r>
+            <a:r>
+              <a:rPr kumimoji="1" lang="zh-CN" altLang="en-US" sz="1600" dirty="0">
+                <a:latin typeface="Times New Roman" panose="02020603050405020304" pitchFamily="18" charset="0"/>
+                <a:ea typeface="+mj-ea"/>
+                <a:cs typeface="Times New Roman" panose="02020603050405020304" pitchFamily="18" charset="0"/>
+              </a:rPr>
+              <a:t> </a:t>
+            </a:r>
+            <a:r>
+              <a:rPr kumimoji="1" lang="en-US" altLang="zh-CN" sz="1600" dirty="0">
+                <a:latin typeface="Times New Roman" panose="02020603050405020304" pitchFamily="18" charset="0"/>
+                <a:ea typeface="+mj-ea"/>
+                <a:cs typeface="Times New Roman" panose="02020603050405020304" pitchFamily="18" charset="0"/>
+              </a:rPr>
+              <a:t>image</a:t>
+            </a:r>
+            <a:endParaRPr kumimoji="1" lang="zh-CN" altLang="en-US" sz="1600" dirty="0">
+              <a:latin typeface="Times New Roman" panose="02020603050405020304" pitchFamily="18" charset="0"/>
+              <a:ea typeface="+mj-ea"/>
+              <a:cs typeface="Times New Roman" panose="02020603050405020304" pitchFamily="18" charset="0"/>
+            </a:endParaRPr>
+          </a:p>
+        </p:txBody>
+      </p:sp>
+      <p:sp>
+        <p:nvSpPr>
+          <p:cNvPr id="24" name="文本框 23">
+            <a:extLst>
+              <a:ext uri="{FF2B5EF4-FFF2-40B4-BE49-F238E27FC236}">
+                <a16:creationId xmlns:a16="http://schemas.microsoft.com/office/drawing/2014/main" id="{33534D7B-D1FD-7643-82BF-9897231101CB}"/>
+              </a:ext>
+            </a:extLst>
+          </p:cNvPr>
+          <p:cNvSpPr txBox="1"/>
+          <p:nvPr/>
+        </p:nvSpPr>
+        <p:spPr>
+          <a:xfrm>
+            <a:off x="1881828" y="4089653"/>
+            <a:ext cx="1321196" cy="338554"/>
+          </a:xfrm>
+          <a:prstGeom prst="rect">
+            <a:avLst/>
+          </a:prstGeom>
+          <a:noFill/>
+        </p:spPr>
+        <p:txBody>
+          <a:bodyPr wrap="none" rtlCol="0">
+            <a:spAutoFit/>
+          </a:bodyPr>
+          <a:lstStyle/>
+          <a:p>
+            <a:r>
+              <a:rPr kumimoji="1" lang="en-US" altLang="zh-CN" sz="1600" dirty="0">
+                <a:latin typeface="Times New Roman" panose="02020603050405020304" pitchFamily="18" charset="0"/>
+                <a:ea typeface="+mj-ea"/>
+                <a:cs typeface="Times New Roman" panose="02020603050405020304" pitchFamily="18" charset="0"/>
+              </a:rPr>
+              <a:t>Noised</a:t>
+            </a:r>
+            <a:r>
+              <a:rPr kumimoji="1" lang="zh-CN" altLang="en-US" sz="1600" dirty="0">
+                <a:latin typeface="Times New Roman" panose="02020603050405020304" pitchFamily="18" charset="0"/>
+                <a:ea typeface="+mj-ea"/>
+                <a:cs typeface="Times New Roman" panose="02020603050405020304" pitchFamily="18" charset="0"/>
+              </a:rPr>
+              <a:t> </a:t>
+            </a:r>
+            <a:r>
+              <a:rPr kumimoji="1" lang="en-US" altLang="zh-CN" sz="1600" dirty="0">
+                <a:latin typeface="Times New Roman" panose="02020603050405020304" pitchFamily="18" charset="0"/>
+                <a:ea typeface="+mj-ea"/>
+                <a:cs typeface="Times New Roman" panose="02020603050405020304" pitchFamily="18" charset="0"/>
+              </a:rPr>
+              <a:t>image</a:t>
+            </a:r>
+            <a:endParaRPr kumimoji="1" lang="zh-CN" altLang="en-US" sz="1600" dirty="0">
+              <a:latin typeface="Times New Roman" panose="02020603050405020304" pitchFamily="18" charset="0"/>
+              <a:ea typeface="+mj-ea"/>
+              <a:cs typeface="Times New Roman" panose="02020603050405020304" pitchFamily="18" charset="0"/>
+            </a:endParaRPr>
+          </a:p>
+        </p:txBody>
+      </p:sp>
+      <p:pic>
+        <p:nvPicPr>
+          <p:cNvPr id="30" name="图片 29">
+            <a:extLst>
+              <a:ext uri="{FF2B5EF4-FFF2-40B4-BE49-F238E27FC236}">
+                <a16:creationId xmlns:a16="http://schemas.microsoft.com/office/drawing/2014/main" id="{A2CCC5AA-714C-6C4A-9749-F34ACE972626}"/>
+              </a:ext>
+            </a:extLst>
+          </p:cNvPr>
+          <p:cNvPicPr>
+            <a:picLocks noChangeAspect="1"/>
+          </p:cNvPicPr>
+          <p:nvPr/>
+        </p:nvPicPr>
+        <p:blipFill>
+          <a:blip r:embed="rId10"/>
+          <a:srcRect/>
+          <a:stretch/>
+        </p:blipFill>
+        <p:spPr>
+          <a:xfrm>
+            <a:off x="3815137" y="4248857"/>
+            <a:ext cx="1571090" cy="1571090"/>
+          </a:xfrm>
+          <a:prstGeom prst="rect">
+            <a:avLst/>
+          </a:prstGeom>
+        </p:spPr>
+      </p:pic>
+      <p:pic>
+        <p:nvPicPr>
+          <p:cNvPr id="31" name="图片 30">
+            <a:extLst>
+              <a:ext uri="{FF2B5EF4-FFF2-40B4-BE49-F238E27FC236}">
+                <a16:creationId xmlns:a16="http://schemas.microsoft.com/office/drawing/2014/main" id="{AF1DB191-510C-B446-B0A3-5A706EEDC76B}"/>
+              </a:ext>
+            </a:extLst>
+          </p:cNvPr>
+          <p:cNvPicPr>
+            <a:picLocks noChangeAspect="1"/>
+          </p:cNvPicPr>
+          <p:nvPr/>
+        </p:nvPicPr>
+        <p:blipFill>
+          <a:blip r:embed="rId11"/>
+          <a:srcRect/>
+          <a:stretch/>
+        </p:blipFill>
+        <p:spPr>
+          <a:xfrm>
+            <a:off x="5572018" y="4248857"/>
+            <a:ext cx="1571090" cy="1571090"/>
+          </a:xfrm>
+          <a:prstGeom prst="rect">
+            <a:avLst/>
+          </a:prstGeom>
+        </p:spPr>
+      </p:pic>
+      <p:pic>
+        <p:nvPicPr>
+          <p:cNvPr id="32" name="图片 31">
+            <a:extLst>
+              <a:ext uri="{FF2B5EF4-FFF2-40B4-BE49-F238E27FC236}">
+                <a16:creationId xmlns:a16="http://schemas.microsoft.com/office/drawing/2014/main" id="{50D7C037-87CD-0745-8851-51634C07DC02}"/>
+              </a:ext>
+            </a:extLst>
+          </p:cNvPr>
+          <p:cNvPicPr>
+            <a:picLocks noChangeAspect="1"/>
+          </p:cNvPicPr>
+          <p:nvPr/>
+        </p:nvPicPr>
+        <p:blipFill>
+          <a:blip r:embed="rId12"/>
+          <a:srcRect/>
+          <a:stretch/>
+        </p:blipFill>
+        <p:spPr>
+          <a:xfrm>
+            <a:off x="7328899" y="4248857"/>
+            <a:ext cx="1571090" cy="1571090"/>
+          </a:xfrm>
+          <a:prstGeom prst="rect">
+            <a:avLst/>
+          </a:prstGeom>
+        </p:spPr>
+      </p:pic>
+      <p:sp>
+        <p:nvSpPr>
+          <p:cNvPr id="35" name="文本框 34">
+            <a:extLst>
+              <a:ext uri="{FF2B5EF4-FFF2-40B4-BE49-F238E27FC236}">
+                <a16:creationId xmlns:a16="http://schemas.microsoft.com/office/drawing/2014/main" id="{6EDE41C3-A5DC-1E4C-BE15-AA4A238B5B54}"/>
+              </a:ext>
+            </a:extLst>
+          </p:cNvPr>
+          <p:cNvSpPr txBox="1"/>
+          <p:nvPr/>
+        </p:nvSpPr>
+        <p:spPr>
+          <a:xfrm>
+            <a:off x="4081950" y="5902140"/>
+            <a:ext cx="1037463" cy="338554"/>
+          </a:xfrm>
+          <a:prstGeom prst="rect">
+            <a:avLst/>
+          </a:prstGeom>
+          <a:noFill/>
+        </p:spPr>
+        <p:txBody>
+          <a:bodyPr wrap="none" rtlCol="0">
+            <a:spAutoFit/>
+          </a:bodyPr>
+          <a:lstStyle/>
+          <a:p>
+            <a:r>
+              <a:rPr kumimoji="1" lang="en-US" altLang="zh-CN" sz="1600" dirty="0">
+                <a:latin typeface="Times New Roman" panose="02020603050405020304" pitchFamily="18" charset="0"/>
+                <a:ea typeface="+mj-ea"/>
+                <a:cs typeface="Times New Roman" panose="02020603050405020304" pitchFamily="18" charset="0"/>
+              </a:rPr>
+              <a:t>Iteration</a:t>
+            </a:r>
+            <a:r>
+              <a:rPr kumimoji="1" lang="zh-CN" altLang="en-US" sz="1600" dirty="0">
+                <a:latin typeface="Times New Roman" panose="02020603050405020304" pitchFamily="18" charset="0"/>
+                <a:ea typeface="+mj-ea"/>
+                <a:cs typeface="Times New Roman" panose="02020603050405020304" pitchFamily="18" charset="0"/>
+              </a:rPr>
+              <a:t> </a:t>
+            </a:r>
+            <a:r>
+              <a:rPr kumimoji="1" lang="en-US" altLang="zh-CN" sz="1600" dirty="0">
+                <a:latin typeface="Times New Roman" panose="02020603050405020304" pitchFamily="18" charset="0"/>
+                <a:ea typeface="+mj-ea"/>
+                <a:cs typeface="Times New Roman" panose="02020603050405020304" pitchFamily="18" charset="0"/>
+              </a:rPr>
+              <a:t>1</a:t>
+            </a:r>
+            <a:endParaRPr kumimoji="1" lang="zh-CN" altLang="en-US" sz="1600" dirty="0">
+              <a:latin typeface="Times New Roman" panose="02020603050405020304" pitchFamily="18" charset="0"/>
+              <a:ea typeface="+mj-ea"/>
+              <a:cs typeface="Times New Roman" panose="02020603050405020304" pitchFamily="18" charset="0"/>
+            </a:endParaRPr>
+          </a:p>
+        </p:txBody>
+      </p:sp>
+      <p:sp>
+        <p:nvSpPr>
+          <p:cNvPr id="36" name="文本框 35">
+            <a:extLst>
+              <a:ext uri="{FF2B5EF4-FFF2-40B4-BE49-F238E27FC236}">
+                <a16:creationId xmlns:a16="http://schemas.microsoft.com/office/drawing/2014/main" id="{59FC24FE-506B-FD43-B0A2-18B81643E676}"/>
+              </a:ext>
+            </a:extLst>
+          </p:cNvPr>
+          <p:cNvSpPr txBox="1"/>
+          <p:nvPr/>
+        </p:nvSpPr>
+        <p:spPr>
+          <a:xfrm>
+            <a:off x="5838831" y="5902140"/>
+            <a:ext cx="1140056" cy="338554"/>
+          </a:xfrm>
+          <a:prstGeom prst="rect">
+            <a:avLst/>
+          </a:prstGeom>
+          <a:noFill/>
+        </p:spPr>
+        <p:txBody>
+          <a:bodyPr wrap="none" rtlCol="0">
+            <a:spAutoFit/>
+          </a:bodyPr>
+          <a:lstStyle/>
+          <a:p>
+            <a:r>
+              <a:rPr kumimoji="1" lang="en-US" altLang="zh-CN" sz="1600" dirty="0">
+                <a:latin typeface="Times New Roman" panose="02020603050405020304" pitchFamily="18" charset="0"/>
+                <a:ea typeface="+mj-ea"/>
+                <a:cs typeface="Times New Roman" panose="02020603050405020304" pitchFamily="18" charset="0"/>
+              </a:rPr>
+              <a:t>Iteration</a:t>
+            </a:r>
+            <a:r>
+              <a:rPr kumimoji="1" lang="zh-CN" altLang="en-US" sz="1600" dirty="0">
+                <a:latin typeface="Times New Roman" panose="02020603050405020304" pitchFamily="18" charset="0"/>
+                <a:ea typeface="+mj-ea"/>
+                <a:cs typeface="Times New Roman" panose="02020603050405020304" pitchFamily="18" charset="0"/>
+              </a:rPr>
+              <a:t> </a:t>
+            </a:r>
+            <a:r>
+              <a:rPr kumimoji="1" lang="en-US" altLang="zh-CN" sz="1600" dirty="0">
+                <a:latin typeface="Times New Roman" panose="02020603050405020304" pitchFamily="18" charset="0"/>
+                <a:ea typeface="+mj-ea"/>
+                <a:cs typeface="Times New Roman" panose="02020603050405020304" pitchFamily="18" charset="0"/>
+              </a:rPr>
+              <a:t>10</a:t>
+            </a:r>
+            <a:endParaRPr kumimoji="1" lang="zh-CN" altLang="en-US" sz="1600" dirty="0">
+              <a:latin typeface="Times New Roman" panose="02020603050405020304" pitchFamily="18" charset="0"/>
+              <a:ea typeface="+mj-ea"/>
+              <a:cs typeface="Times New Roman" panose="02020603050405020304" pitchFamily="18" charset="0"/>
+            </a:endParaRPr>
+          </a:p>
+        </p:txBody>
+      </p:sp>
+      <p:sp>
+        <p:nvSpPr>
+          <p:cNvPr id="37" name="文本框 36">
+            <a:extLst>
+              <a:ext uri="{FF2B5EF4-FFF2-40B4-BE49-F238E27FC236}">
+                <a16:creationId xmlns:a16="http://schemas.microsoft.com/office/drawing/2014/main" id="{EE3F16B8-FE95-BC43-8EE6-8FD20BBDCED8}"/>
+              </a:ext>
+            </a:extLst>
+          </p:cNvPr>
+          <p:cNvSpPr txBox="1"/>
+          <p:nvPr/>
+        </p:nvSpPr>
+        <p:spPr>
+          <a:xfrm>
+            <a:off x="7595712" y="5902140"/>
+            <a:ext cx="1242648" cy="338554"/>
+          </a:xfrm>
+          <a:prstGeom prst="rect">
+            <a:avLst/>
+          </a:prstGeom>
+          <a:noFill/>
+        </p:spPr>
+        <p:txBody>
+          <a:bodyPr wrap="none" rtlCol="0">
+            <a:spAutoFit/>
+          </a:bodyPr>
+          <a:lstStyle/>
+          <a:p>
+            <a:r>
+              <a:rPr kumimoji="1" lang="en-US" altLang="zh-CN" sz="1600" dirty="0">
+                <a:latin typeface="Times New Roman" panose="02020603050405020304" pitchFamily="18" charset="0"/>
+                <a:ea typeface="+mj-ea"/>
+                <a:cs typeface="Times New Roman" panose="02020603050405020304" pitchFamily="18" charset="0"/>
+              </a:rPr>
+              <a:t>Iteration</a:t>
+            </a:r>
+            <a:r>
+              <a:rPr kumimoji="1" lang="zh-CN" altLang="en-US" sz="1600" dirty="0">
+                <a:latin typeface="Times New Roman" panose="02020603050405020304" pitchFamily="18" charset="0"/>
+                <a:ea typeface="+mj-ea"/>
+                <a:cs typeface="Times New Roman" panose="02020603050405020304" pitchFamily="18" charset="0"/>
+              </a:rPr>
+              <a:t> </a:t>
+            </a:r>
+            <a:r>
+              <a:rPr kumimoji="1" lang="en-US" altLang="zh-CN" sz="1600" dirty="0">
+                <a:latin typeface="Times New Roman" panose="02020603050405020304" pitchFamily="18" charset="0"/>
+                <a:ea typeface="+mj-ea"/>
+                <a:cs typeface="Times New Roman" panose="02020603050405020304" pitchFamily="18" charset="0"/>
+              </a:rPr>
+              <a:t>100</a:t>
+            </a:r>
+            <a:endParaRPr kumimoji="1" lang="zh-CN" altLang="en-US" sz="1600" dirty="0">
+              <a:latin typeface="Times New Roman" panose="02020603050405020304" pitchFamily="18" charset="0"/>
+              <a:ea typeface="+mj-ea"/>
+              <a:cs typeface="Times New Roman" panose="02020603050405020304" pitchFamily="18" charset="0"/>
+            </a:endParaRPr>
+          </a:p>
+        </p:txBody>
+      </p:sp>
+      <p:cxnSp>
+        <p:nvCxnSpPr>
+          <p:cNvPr id="4" name="直线箭头连接符 3">
+            <a:extLst>
+              <a:ext uri="{FF2B5EF4-FFF2-40B4-BE49-F238E27FC236}">
+                <a16:creationId xmlns:a16="http://schemas.microsoft.com/office/drawing/2014/main" id="{882E38E4-719C-BB4D-84F3-B5C3794C80EE}"/>
+              </a:ext>
+            </a:extLst>
+          </p:cNvPr>
+          <p:cNvCxnSpPr>
+            <a:stCxn id="15" idx="3"/>
+            <a:endCxn id="20" idx="1"/>
+          </p:cNvCxnSpPr>
+          <p:nvPr/>
+        </p:nvCxnSpPr>
+        <p:spPr>
+          <a:xfrm>
+            <a:off x="3327971" y="3221915"/>
+            <a:ext cx="487166" cy="0"/>
+          </a:xfrm>
+          <a:prstGeom prst="straightConnector1">
+            <a:avLst/>
+          </a:prstGeom>
+          <a:ln>
+            <a:tailEnd type="triangle"/>
+          </a:ln>
+        </p:spPr>
+        <p:style>
+          <a:lnRef idx="2">
+            <a:schemeClr val="dk1"/>
+          </a:lnRef>
+          <a:fillRef idx="0">
+            <a:schemeClr val="dk1"/>
+          </a:fillRef>
+          <a:effectRef idx="1">
+            <a:schemeClr val="dk1"/>
+          </a:effectRef>
+          <a:fontRef idx="minor">
+            <a:schemeClr val="tx1"/>
+          </a:fontRef>
+        </p:style>
+      </p:cxnSp>
+      <p:cxnSp>
+        <p:nvCxnSpPr>
+          <p:cNvPr id="11" name="曲线连接符 10">
+            <a:extLst>
+              <a:ext uri="{FF2B5EF4-FFF2-40B4-BE49-F238E27FC236}">
+                <a16:creationId xmlns:a16="http://schemas.microsoft.com/office/drawing/2014/main" id="{96BCA585-EC82-D94B-9E76-B6FE486E9A2E}"/>
+              </a:ext>
+            </a:extLst>
+          </p:cNvPr>
+          <p:cNvCxnSpPr>
+            <a:stCxn id="15" idx="3"/>
+            <a:endCxn id="3" idx="1"/>
+          </p:cNvCxnSpPr>
+          <p:nvPr/>
+        </p:nvCxnSpPr>
+        <p:spPr>
+          <a:xfrm flipV="1">
+            <a:off x="3327971" y="1402851"/>
+            <a:ext cx="487166" cy="1819064"/>
+          </a:xfrm>
+          <a:prstGeom prst="curvedConnector3">
+            <a:avLst/>
+          </a:prstGeom>
+          <a:ln>
+            <a:tailEnd type="triangle"/>
+          </a:ln>
+        </p:spPr>
+        <p:style>
+          <a:lnRef idx="2">
+            <a:schemeClr val="dk1"/>
+          </a:lnRef>
+          <a:fillRef idx="0">
+            <a:schemeClr val="dk1"/>
+          </a:fillRef>
+          <a:effectRef idx="1">
+            <a:schemeClr val="dk1"/>
+          </a:effectRef>
+          <a:fontRef idx="minor">
+            <a:schemeClr val="tx1"/>
+          </a:fontRef>
+        </p:style>
+      </p:cxnSp>
+      <p:cxnSp>
+        <p:nvCxnSpPr>
+          <p:cNvPr id="38" name="曲线连接符 37">
+            <a:extLst>
+              <a:ext uri="{FF2B5EF4-FFF2-40B4-BE49-F238E27FC236}">
+                <a16:creationId xmlns:a16="http://schemas.microsoft.com/office/drawing/2014/main" id="{2CE424BE-4364-BE4D-81CD-98224E0A2362}"/>
+              </a:ext>
+            </a:extLst>
+          </p:cNvPr>
+          <p:cNvCxnSpPr>
+            <a:cxnSpLocks/>
+            <a:stCxn id="15" idx="3"/>
+            <a:endCxn id="30" idx="1"/>
+          </p:cNvCxnSpPr>
+          <p:nvPr/>
+        </p:nvCxnSpPr>
+        <p:spPr>
+          <a:xfrm>
+            <a:off x="3327971" y="3221915"/>
+            <a:ext cx="487166" cy="1812487"/>
+          </a:xfrm>
+          <a:prstGeom prst="curvedConnector3">
+            <a:avLst/>
+          </a:prstGeom>
+          <a:ln>
+            <a:tailEnd type="triangle"/>
+          </a:ln>
+        </p:spPr>
+        <p:style>
+          <a:lnRef idx="2">
+            <a:schemeClr val="dk1"/>
+          </a:lnRef>
+          <a:fillRef idx="0">
+            <a:schemeClr val="dk1"/>
+          </a:fillRef>
+          <a:effectRef idx="1">
+            <a:schemeClr val="dk1"/>
+          </a:effectRef>
+          <a:fontRef idx="minor">
+            <a:schemeClr val="tx1"/>
+          </a:fontRef>
+        </p:style>
+      </p:cxnSp>
+      <p:sp>
+        <p:nvSpPr>
+          <p:cNvPr id="40" name="文本框 39">
+            <a:extLst>
+              <a:ext uri="{FF2B5EF4-FFF2-40B4-BE49-F238E27FC236}">
+                <a16:creationId xmlns:a16="http://schemas.microsoft.com/office/drawing/2014/main" id="{083CE4CB-236E-F943-9292-F3BB6DD4F050}"/>
+              </a:ext>
+            </a:extLst>
+          </p:cNvPr>
+          <p:cNvSpPr txBox="1"/>
+          <p:nvPr/>
+        </p:nvSpPr>
+        <p:spPr>
+          <a:xfrm>
+            <a:off x="3277854" y="4965509"/>
+            <a:ext cx="474810" cy="307777"/>
+          </a:xfrm>
+          <a:prstGeom prst="rect">
+            <a:avLst/>
+          </a:prstGeom>
+          <a:noFill/>
+        </p:spPr>
+        <p:txBody>
+          <a:bodyPr wrap="none" rtlCol="0">
+            <a:spAutoFit/>
+          </a:bodyPr>
+          <a:lstStyle/>
+          <a:p>
+            <a:r>
+              <a:rPr kumimoji="1" lang="en-US" altLang="zh-CN" sz="1400" dirty="0">
+                <a:latin typeface="Times New Roman" panose="02020603050405020304" pitchFamily="18" charset="0"/>
+                <a:cs typeface="Times New Roman" panose="02020603050405020304" pitchFamily="18" charset="0"/>
+              </a:rPr>
+              <a:t>S=4</a:t>
+            </a:r>
+            <a:endParaRPr kumimoji="1" lang="zh-CN" altLang="en-US" sz="1400" dirty="0">
+              <a:latin typeface="Times New Roman" panose="02020603050405020304" pitchFamily="18" charset="0"/>
+              <a:cs typeface="Times New Roman" panose="02020603050405020304" pitchFamily="18" charset="0"/>
+            </a:endParaRPr>
+          </a:p>
+        </p:txBody>
+      </p:sp>
+      <p:sp>
+        <p:nvSpPr>
+          <p:cNvPr id="41" name="文本框 40">
+            <a:extLst>
+              <a:ext uri="{FF2B5EF4-FFF2-40B4-BE49-F238E27FC236}">
+                <a16:creationId xmlns:a16="http://schemas.microsoft.com/office/drawing/2014/main" id="{09587CDA-34A1-664D-BA14-8F1D4331F101}"/>
+              </a:ext>
+            </a:extLst>
+          </p:cNvPr>
+          <p:cNvSpPr txBox="1"/>
+          <p:nvPr/>
+        </p:nvSpPr>
+        <p:spPr>
+          <a:xfrm>
+            <a:off x="3327971" y="2955234"/>
+            <a:ext cx="474810" cy="307777"/>
+          </a:xfrm>
+          <a:prstGeom prst="rect">
+            <a:avLst/>
+          </a:prstGeom>
+          <a:noFill/>
+        </p:spPr>
+        <p:txBody>
+          <a:bodyPr wrap="none" rtlCol="0">
+            <a:spAutoFit/>
+          </a:bodyPr>
+          <a:lstStyle/>
+          <a:p>
+            <a:r>
+              <a:rPr kumimoji="1" lang="en-US" altLang="zh-CN" sz="1400" dirty="0">
+                <a:latin typeface="Times New Roman" panose="02020603050405020304" pitchFamily="18" charset="0"/>
+                <a:cs typeface="Times New Roman" panose="02020603050405020304" pitchFamily="18" charset="0"/>
+              </a:rPr>
+              <a:t>S=8</a:t>
+            </a:r>
+            <a:endParaRPr kumimoji="1" lang="zh-CN" altLang="en-US" sz="1400" dirty="0">
+              <a:latin typeface="Times New Roman" panose="02020603050405020304" pitchFamily="18" charset="0"/>
+              <a:cs typeface="Times New Roman" panose="02020603050405020304" pitchFamily="18" charset="0"/>
+            </a:endParaRPr>
+          </a:p>
+        </p:txBody>
+      </p:sp>
+      <p:sp>
+        <p:nvSpPr>
+          <p:cNvPr id="42" name="文本框 41">
+            <a:extLst>
+              <a:ext uri="{FF2B5EF4-FFF2-40B4-BE49-F238E27FC236}">
+                <a16:creationId xmlns:a16="http://schemas.microsoft.com/office/drawing/2014/main" id="{40DEBB56-9638-E641-A87D-47F4698A2EC1}"/>
+              </a:ext>
+            </a:extLst>
+          </p:cNvPr>
+          <p:cNvSpPr txBox="1"/>
+          <p:nvPr/>
+        </p:nvSpPr>
+        <p:spPr>
+          <a:xfrm>
+            <a:off x="3250559" y="1293714"/>
+            <a:ext cx="564578" cy="307777"/>
+          </a:xfrm>
+          <a:prstGeom prst="rect">
+            <a:avLst/>
+          </a:prstGeom>
+          <a:noFill/>
+        </p:spPr>
+        <p:txBody>
+          <a:bodyPr wrap="none" rtlCol="0">
+            <a:spAutoFit/>
+          </a:bodyPr>
+          <a:lstStyle/>
+          <a:p>
+            <a:r>
+              <a:rPr kumimoji="1" lang="en-US" altLang="zh-CN" sz="1400" dirty="0">
+                <a:latin typeface="Times New Roman" panose="02020603050405020304" pitchFamily="18" charset="0"/>
+                <a:cs typeface="Times New Roman" panose="02020603050405020304" pitchFamily="18" charset="0"/>
+              </a:rPr>
+              <a:t>S=16</a:t>
+            </a:r>
+            <a:endParaRPr kumimoji="1" lang="zh-CN" altLang="en-US" sz="1400" dirty="0">
+              <a:latin typeface="Times New Roman" panose="02020603050405020304" pitchFamily="18" charset="0"/>
+              <a:cs typeface="Times New Roman" panose="02020603050405020304" pitchFamily="18" charset="0"/>
+            </a:endParaRPr>
+          </a:p>
+        </p:txBody>
+      </p:sp>
+    </p:spTree>
+    <p:extLst>
+      <p:ext uri="{BB962C8B-B14F-4D97-AF65-F5344CB8AC3E}">
+        <p14:creationId xmlns:p14="http://schemas.microsoft.com/office/powerpoint/2010/main" val="212976971"/>
       </p:ext>
     </p:extLst>
   </p:cSld>
